--- a/bigdata2_system_and_python.pptx
+++ b/bigdata2_system_and_python.pptx
@@ -2970,7 +2970,7 @@
           <a:p>
             <a:fld id="{B176FF22-B1CA-4671-AC40-D6AD1168A308}" type="datetimeFigureOut">
               <a:rPr kumimoji="1" lang="ja-JP" altLang="en-US" smtClean="0"/>
-              <a:t>2024/4/10</a:t>
+              <a:t>2024/4/17</a:t>
             </a:fld>
             <a:endParaRPr kumimoji="1" lang="ja-JP" altLang="en-US"/>
           </a:p>
@@ -3400,7 +3400,7 @@
           <a:p>
             <a:fld id="{2ABC02D7-CBD1-4D33-B166-78A898DF0F76}" type="datetimeFigureOut">
               <a:rPr kumimoji="1" lang="ja-JP" altLang="en-US" smtClean="0"/>
-              <a:t>2024/4/10</a:t>
+              <a:t>2024/4/17</a:t>
             </a:fld>
             <a:endParaRPr kumimoji="1" lang="ja-JP" altLang="en-US"/>
           </a:p>
@@ -3602,7 +3602,7 @@
           <a:p>
             <a:fld id="{2ABC02D7-CBD1-4D33-B166-78A898DF0F76}" type="datetimeFigureOut">
               <a:rPr kumimoji="1" lang="ja-JP" altLang="en-US" smtClean="0"/>
-              <a:t>2024/4/10</a:t>
+              <a:t>2024/4/17</a:t>
             </a:fld>
             <a:endParaRPr kumimoji="1" lang="ja-JP" altLang="en-US"/>
           </a:p>
@@ -3814,7 +3814,7 @@
           <a:p>
             <a:fld id="{2ABC02D7-CBD1-4D33-B166-78A898DF0F76}" type="datetimeFigureOut">
               <a:rPr kumimoji="1" lang="ja-JP" altLang="en-US" smtClean="0"/>
-              <a:t>2024/4/10</a:t>
+              <a:t>2024/4/17</a:t>
             </a:fld>
             <a:endParaRPr kumimoji="1" lang="ja-JP" altLang="en-US"/>
           </a:p>
@@ -4047,7 +4047,7 @@
           <a:p>
             <a:fld id="{2ABC02D7-CBD1-4D33-B166-78A898DF0F76}" type="datetimeFigureOut">
               <a:rPr kumimoji="1" lang="ja-JP" altLang="en-US" smtClean="0"/>
-              <a:t>2024/4/10</a:t>
+              <a:t>2024/4/17</a:t>
             </a:fld>
             <a:endParaRPr kumimoji="1" lang="ja-JP" altLang="en-US"/>
           </a:p>
@@ -4293,7 +4293,7 @@
           <a:p>
             <a:fld id="{2ABC02D7-CBD1-4D33-B166-78A898DF0F76}" type="datetimeFigureOut">
               <a:rPr kumimoji="1" lang="ja-JP" altLang="en-US" smtClean="0"/>
-              <a:t>2024/4/10</a:t>
+              <a:t>2024/4/17</a:t>
             </a:fld>
             <a:endParaRPr kumimoji="1" lang="ja-JP" altLang="en-US"/>
           </a:p>
@@ -4589,7 +4589,7 @@
           <a:p>
             <a:fld id="{2ABC02D7-CBD1-4D33-B166-78A898DF0F76}" type="datetimeFigureOut">
               <a:rPr kumimoji="1" lang="ja-JP" altLang="en-US" smtClean="0"/>
-              <a:t>2024/4/10</a:t>
+              <a:t>2024/4/17</a:t>
             </a:fld>
             <a:endParaRPr kumimoji="1" lang="ja-JP" altLang="en-US"/>
           </a:p>
@@ -5020,7 +5020,7 @@
           <a:p>
             <a:fld id="{2ABC02D7-CBD1-4D33-B166-78A898DF0F76}" type="datetimeFigureOut">
               <a:rPr kumimoji="1" lang="ja-JP" altLang="en-US" smtClean="0"/>
-              <a:t>2024/4/10</a:t>
+              <a:t>2024/4/17</a:t>
             </a:fld>
             <a:endParaRPr kumimoji="1" lang="ja-JP" altLang="en-US"/>
           </a:p>
@@ -5138,7 +5138,7 @@
           <a:p>
             <a:fld id="{2ABC02D7-CBD1-4D33-B166-78A898DF0F76}" type="datetimeFigureOut">
               <a:rPr kumimoji="1" lang="ja-JP" altLang="en-US" smtClean="0"/>
-              <a:t>2024/4/10</a:t>
+              <a:t>2024/4/17</a:t>
             </a:fld>
             <a:endParaRPr kumimoji="1" lang="ja-JP" altLang="en-US"/>
           </a:p>
@@ -5233,7 +5233,7 @@
           <a:p>
             <a:fld id="{2ABC02D7-CBD1-4D33-B166-78A898DF0F76}" type="datetimeFigureOut">
               <a:rPr kumimoji="1" lang="ja-JP" altLang="en-US" smtClean="0"/>
-              <a:t>2024/4/10</a:t>
+              <a:t>2024/4/17</a:t>
             </a:fld>
             <a:endParaRPr kumimoji="1" lang="ja-JP" altLang="en-US"/>
           </a:p>
@@ -5542,7 +5542,7 @@
           <a:p>
             <a:fld id="{2ABC02D7-CBD1-4D33-B166-78A898DF0F76}" type="datetimeFigureOut">
               <a:rPr kumimoji="1" lang="ja-JP" altLang="en-US" smtClean="0"/>
-              <a:t>2024/4/10</a:t>
+              <a:t>2024/4/17</a:t>
             </a:fld>
             <a:endParaRPr kumimoji="1" lang="ja-JP" altLang="en-US"/>
           </a:p>
@@ -5799,7 +5799,7 @@
           <a:p>
             <a:fld id="{2ABC02D7-CBD1-4D33-B166-78A898DF0F76}" type="datetimeFigureOut">
               <a:rPr kumimoji="1" lang="ja-JP" altLang="en-US" smtClean="0"/>
-              <a:t>2024/4/10</a:t>
+              <a:t>2024/4/17</a:t>
             </a:fld>
             <a:endParaRPr kumimoji="1" lang="ja-JP" altLang="en-US"/>
           </a:p>
@@ -6044,7 +6044,7 @@
           <a:p>
             <a:fld id="{2ABC02D7-CBD1-4D33-B166-78A898DF0F76}" type="datetimeFigureOut">
               <a:rPr kumimoji="1" lang="ja-JP" altLang="en-US" smtClean="0"/>
-              <a:t>2024/4/10</a:t>
+              <a:t>2024/4/17</a:t>
             </a:fld>
             <a:endParaRPr kumimoji="1" lang="ja-JP" altLang="en-US"/>
           </a:p>
@@ -7198,7 +7198,7 @@
         </p:nvSpPr>
         <p:spPr>
           <a:xfrm>
-            <a:off x="2155597" y="4800892"/>
+            <a:off x="1691661" y="4783177"/>
             <a:ext cx="7032396" cy="830997"/>
           </a:xfrm>
           <a:prstGeom prst="rect">
@@ -7262,8 +7262,8 @@
         </p:nvSpPr>
         <p:spPr>
           <a:xfrm>
-            <a:off x="2213728" y="5592738"/>
-            <a:ext cx="8069344" cy="1200329"/>
+            <a:off x="1691662" y="5570894"/>
+            <a:ext cx="10345276" cy="1200329"/>
           </a:xfrm>
           <a:prstGeom prst="rect">
             <a:avLst/>
@@ -7927,7 +7927,7 @@
                 <a:latin typeface="メイリオ" panose="020B0604030504040204" pitchFamily="50" charset="-128"/>
                 <a:ea typeface="メイリオ" panose="020B0604030504040204" pitchFamily="50" charset="-128"/>
               </a:rPr>
-              <a:t>のインストールの演習</a:t>
+              <a:t>のインストールと演習</a:t>
             </a:r>
           </a:p>
         </p:txBody>

--- a/bigdata2_system_and_python.pptx
+++ b/bigdata2_system_and_python.pptx
@@ -22464,10 +22464,10 @@
       </p:graphicFrame>
       <p:pic>
         <p:nvPicPr>
-          <p:cNvPr id="8" name="図 7">
+          <p:cNvPr id="5" name="図 4">
             <a:extLst>
               <a:ext uri="{FF2B5EF4-FFF2-40B4-BE49-F238E27FC236}">
-                <a16:creationId xmlns:a16="http://schemas.microsoft.com/office/drawing/2014/main" id="{452CCBDD-88B3-9C62-950D-253845EE2F34}"/>
+                <a16:creationId xmlns:a16="http://schemas.microsoft.com/office/drawing/2014/main" id="{C2D69B4B-5234-BDDE-2DF4-F00FFA3FE859}"/>
               </a:ext>
             </a:extLst>
           </p:cNvPr>
@@ -22484,8 +22484,8 @@
         </p:blipFill>
         <p:spPr>
           <a:xfrm>
-            <a:off x="3503992" y="967330"/>
-            <a:ext cx="5409337" cy="2164955"/>
+            <a:off x="3407417" y="1018808"/>
+            <a:ext cx="5377165" cy="2004645"/>
           </a:xfrm>
           <a:prstGeom prst="rect">
             <a:avLst/>
@@ -22494,10 +22494,10 @@
       </p:pic>
       <p:pic>
         <p:nvPicPr>
-          <p:cNvPr id="13" name="図 12">
+          <p:cNvPr id="7" name="図 6">
             <a:extLst>
               <a:ext uri="{FF2B5EF4-FFF2-40B4-BE49-F238E27FC236}">
-                <a16:creationId xmlns:a16="http://schemas.microsoft.com/office/drawing/2014/main" id="{2C80E632-7C5D-298E-A30E-B22B6CBF55AF}"/>
+                <a16:creationId xmlns:a16="http://schemas.microsoft.com/office/drawing/2014/main" id="{7EC9AF6D-2439-1EB0-76E1-E9B0C1EA0841}"/>
               </a:ext>
             </a:extLst>
           </p:cNvPr>
@@ -22514,8 +22514,8 @@
         </p:blipFill>
         <p:spPr>
           <a:xfrm>
-            <a:off x="3199841" y="3300641"/>
-            <a:ext cx="6773220" cy="1047896"/>
+            <a:off x="3350029" y="3251620"/>
+            <a:ext cx="7335274" cy="1409897"/>
           </a:xfrm>
           <a:prstGeom prst="rect">
             <a:avLst/>
@@ -22524,10 +22524,10 @@
       </p:pic>
       <p:pic>
         <p:nvPicPr>
-          <p:cNvPr id="17" name="図 16">
+          <p:cNvPr id="10" name="図 9">
             <a:extLst>
               <a:ext uri="{FF2B5EF4-FFF2-40B4-BE49-F238E27FC236}">
-                <a16:creationId xmlns:a16="http://schemas.microsoft.com/office/drawing/2014/main" id="{08276A92-401D-E4B3-FFDD-C993CAF89139}"/>
+                <a16:creationId xmlns:a16="http://schemas.microsoft.com/office/drawing/2014/main" id="{DFA6028A-CF44-BFF0-1004-B34C635E7C4F}"/>
               </a:ext>
             </a:extLst>
           </p:cNvPr>
@@ -22544,8 +22544,8 @@
         </p:blipFill>
         <p:spPr>
           <a:xfrm>
-            <a:off x="3350029" y="4897997"/>
-            <a:ext cx="5328167" cy="1686806"/>
+            <a:off x="3537478" y="5307743"/>
+            <a:ext cx="8044717" cy="802112"/>
           </a:xfrm>
           <a:prstGeom prst="rect">
             <a:avLst/>
